--- a/MVVM.pptx
+++ b/MVVM.pptx
@@ -2,7 +2,7 @@
 <file path=ppt/presentation.xml><?xml version="1.0" encoding="utf-8"?>
 <p:presentation xmlns:a="http://schemas.openxmlformats.org/drawingml/2006/main" xmlns:r="http://schemas.openxmlformats.org/officeDocument/2006/relationships" xmlns:p="http://schemas.openxmlformats.org/presentationml/2006/main" xmlns:p14="http://schemas.microsoft.com/office/powerpoint/2010/main" saveSubsetFonts="1">
   <p:sldMasterIdLst>
-    <p:sldMasterId id="2147484283" r:id="rId13"/>
+    <p:sldMasterId id="2147484295" r:id="rId13"/>
   </p:sldMasterIdLst>
   <p:notesMasterIdLst>
     <p:notesMasterId r:id="rId17"/>
@@ -3460,17 +3460,17 @@
   </p:cSld>
   <p:clrMap bg1="lt1" tx1="dk1" bg2="lt2" tx2="dk2" accent1="accent1" accent2="accent2" accent3="accent3" accent4="accent4" accent5="accent5" accent6="accent6" hlink="hlink" folHlink="folHlink"/>
   <p:sldLayoutIdLst>
-    <p:sldLayoutId id="2147484272" r:id="rId1"/>
-    <p:sldLayoutId id="2147484273" r:id="rId2"/>
-    <p:sldLayoutId id="2147484274" r:id="rId3"/>
-    <p:sldLayoutId id="2147484275" r:id="rId4"/>
-    <p:sldLayoutId id="2147484276" r:id="rId5"/>
-    <p:sldLayoutId id="2147484277" r:id="rId6"/>
-    <p:sldLayoutId id="2147484278" r:id="rId7"/>
-    <p:sldLayoutId id="2147484279" r:id="rId8"/>
-    <p:sldLayoutId id="2147484280" r:id="rId9"/>
-    <p:sldLayoutId id="2147484281" r:id="rId10"/>
-    <p:sldLayoutId id="2147484282" r:id="rId11"/>
+    <p:sldLayoutId id="2147484284" r:id="rId1"/>
+    <p:sldLayoutId id="2147484285" r:id="rId2"/>
+    <p:sldLayoutId id="2147484286" r:id="rId3"/>
+    <p:sldLayoutId id="2147484287" r:id="rId4"/>
+    <p:sldLayoutId id="2147484288" r:id="rId5"/>
+    <p:sldLayoutId id="2147484289" r:id="rId6"/>
+    <p:sldLayoutId id="2147484290" r:id="rId7"/>
+    <p:sldLayoutId id="2147484291" r:id="rId8"/>
+    <p:sldLayoutId id="2147484292" r:id="rId9"/>
+    <p:sldLayoutId id="2147484293" r:id="rId10"/>
+    <p:sldLayoutId id="2147484294" r:id="rId11"/>
   </p:sldLayoutIdLst>
   <mc:AlternateContent xmlns:mc="http://schemas.openxmlformats.org/markup-compatibility/2006">
     <mc:Choice xmlns:p14="http://schemas.microsoft.com/office/powerpoint/2010/main" Requires="p14">
@@ -5200,7 +5200,27 @@
                           <a:latin typeface="Avenir Black Oblique" charset="0"/>
                           <a:ea typeface="Avenir Black Oblique" charset="0"/>
                         </a:rPr>
-                        <a:t>LocalDB와 RemoteDB 접근, ViewModel에서 Repository 인스턴스를 매개변수로 받아 접근</a:t>
+                        <a:t>LocalDB와 RemoteDB 접근,(매개변수로 이용)</a:t>
+                      </a:r>
+                      <a:endParaRPr lang="ko-KR" altLang="en-US" sz="1200" kern="1200" i="0" b="0">
+                        <a:solidFill>
+                          <a:schemeClr val="dk1"/>
+                        </a:solidFill>
+                        <a:latin typeface="Avenir Black Oblique" charset="0"/>
+                        <a:ea typeface="Avenir Black Oblique" charset="0"/>
+                      </a:endParaRPr>
+                    </a:p>
+                    <a:p>
+                      <a:pPr marL="0" indent="0" hangingPunct="1"/>
+                      <a:r>
+                        <a:rPr sz="1200" kern="1200" i="0" b="0">
+                          <a:solidFill>
+                            <a:schemeClr val="dk1"/>
+                          </a:solidFill>
+                          <a:latin typeface="Avenir Black Oblique" charset="0"/>
+                          <a:ea typeface="Avenir Black Oblique" charset="0"/>
+                        </a:rPr>
+                        <a:t>ViewModel에서 Repository 인스턴스를 매개변수로 받아 접근</a:t>
                       </a:r>
                       <a:endParaRPr lang="ko-KR" altLang="en-US" sz="1200" kern="1200" i="0" b="0">
                         <a:solidFill>
@@ -5933,7 +5953,7 @@
       </p:sp>
       <p:pic>
         <p:nvPicPr>
-          <p:cNvPr id="4" name="Picture 14" descr="/Users/yongbeomkwak/Library/Group Containers/L48J367XN4.com.infraware.PolarisOffice/EngineTemp/87567/fImage5687271827123.png"/>
+          <p:cNvPr id="4" name="Picture 14" descr="/Users/yongbeomkwak/Library/Group Containers/L48J367XN4.com.infraware.PolarisOffice/EngineTemp/87567/fImage568727182366.png"/>
           <p:cNvPicPr>
             <a:picLocks noChangeAspect="1"/>
           </p:cNvPicPr>
@@ -5962,7 +5982,7 @@
       </p:pic>
       <p:pic>
         <p:nvPicPr>
-          <p:cNvPr id="5" name="Picture 15" descr="/Users/yongbeomkwak/Library/Group Containers/L48J367XN4.com.infraware.PolarisOffice/EngineTemp/87567/fImage3003501874679.png"/>
+          <p:cNvPr id="5" name="Picture 15" descr="/Users/yongbeomkwak/Library/Group Containers/L48J367XN4.com.infraware.PolarisOffice/EngineTemp/87567/fImage3003501873870.png"/>
           <p:cNvPicPr>
             <a:picLocks noChangeAspect="1"/>
           </p:cNvPicPr>

--- a/MVVM.pptx
+++ b/MVVM.pptx
@@ -2,7 +2,7 @@
 <file path=ppt/presentation.xml><?xml version="1.0" encoding="utf-8"?>
 <p:presentation xmlns:a="http://schemas.openxmlformats.org/drawingml/2006/main" xmlns:r="http://schemas.openxmlformats.org/officeDocument/2006/relationships" xmlns:p="http://schemas.openxmlformats.org/presentationml/2006/main" xmlns:p14="http://schemas.microsoft.com/office/powerpoint/2010/main" saveSubsetFonts="1">
   <p:sldMasterIdLst>
-    <p:sldMasterId id="2147484295" r:id="rId13"/>
+    <p:sldMasterId id="2147484307" r:id="rId13"/>
   </p:sldMasterIdLst>
   <p:notesMasterIdLst>
     <p:notesMasterId r:id="rId17"/>
@@ -15,7 +15,6 @@
     <p:sldId id="257" r:id="rId20"/>
     <p:sldId id="259" r:id="rId21"/>
     <p:sldId id="260" r:id="rId22"/>
-    <p:sldId id="261" r:id="rId23"/>
   </p:sldIdLst>
   <p:sldSz cx="12192000" cy="6858000"/>
   <p:notesSz cx="6858000" cy="9144000"/>
@@ -3460,17 +3459,17 @@
   </p:cSld>
   <p:clrMap bg1="lt1" tx1="dk1" bg2="lt2" tx2="dk2" accent1="accent1" accent2="accent2" accent3="accent3" accent4="accent4" accent5="accent5" accent6="accent6" hlink="hlink" folHlink="folHlink"/>
   <p:sldLayoutIdLst>
-    <p:sldLayoutId id="2147484284" r:id="rId1"/>
-    <p:sldLayoutId id="2147484285" r:id="rId2"/>
-    <p:sldLayoutId id="2147484286" r:id="rId3"/>
-    <p:sldLayoutId id="2147484287" r:id="rId4"/>
-    <p:sldLayoutId id="2147484288" r:id="rId5"/>
-    <p:sldLayoutId id="2147484289" r:id="rId6"/>
-    <p:sldLayoutId id="2147484290" r:id="rId7"/>
-    <p:sldLayoutId id="2147484291" r:id="rId8"/>
-    <p:sldLayoutId id="2147484292" r:id="rId9"/>
-    <p:sldLayoutId id="2147484293" r:id="rId10"/>
-    <p:sldLayoutId id="2147484294" r:id="rId11"/>
+    <p:sldLayoutId id="2147484296" r:id="rId1"/>
+    <p:sldLayoutId id="2147484297" r:id="rId2"/>
+    <p:sldLayoutId id="2147484298" r:id="rId3"/>
+    <p:sldLayoutId id="2147484299" r:id="rId4"/>
+    <p:sldLayoutId id="2147484300" r:id="rId5"/>
+    <p:sldLayoutId id="2147484301" r:id="rId6"/>
+    <p:sldLayoutId id="2147484302" r:id="rId7"/>
+    <p:sldLayoutId id="2147484303" r:id="rId8"/>
+    <p:sldLayoutId id="2147484304" r:id="rId9"/>
+    <p:sldLayoutId id="2147484305" r:id="rId10"/>
+    <p:sldLayoutId id="2147484306" r:id="rId11"/>
   </p:sldLayoutIdLst>
   <mc:AlternateContent xmlns:mc="http://schemas.openxmlformats.org/markup-compatibility/2006">
     <mc:Choice xmlns:p14="http://schemas.microsoft.com/office/powerpoint/2010/main" Requires="p14">
@@ -5953,7 +5952,7 @@
       </p:sp>
       <p:pic>
         <p:nvPicPr>
-          <p:cNvPr id="4" name="Picture 14" descr="/Users/yongbeomkwak/Library/Group Containers/L48J367XN4.com.infraware.PolarisOffice/EngineTemp/87567/fImage568727182366.png"/>
+          <p:cNvPr id="4" name="Picture 14" descr="/Users/yongbeomkwak/Library/Group Containers/L48J367XN4.com.infraware.PolarisOffice/EngineTemp/87567/fImage5687271827584.png"/>
           <p:cNvPicPr>
             <a:picLocks noChangeAspect="1"/>
           </p:cNvPicPr>
@@ -5982,7 +5981,7 @@
       </p:pic>
       <p:pic>
         <p:nvPicPr>
-          <p:cNvPr id="5" name="Picture 15" descr="/Users/yongbeomkwak/Library/Group Containers/L48J367XN4.com.infraware.PolarisOffice/EngineTemp/87567/fImage3003501873870.png"/>
+          <p:cNvPr id="5" name="Picture 15" descr="/Users/yongbeomkwak/Library/Group Containers/L48J367XN4.com.infraware.PolarisOffice/EngineTemp/87567/fImage3003501874781.png"/>
           <p:cNvPicPr>
             <a:picLocks noChangeAspect="1"/>
           </p:cNvPicPr>
@@ -6009,105 +6008,6 @@
           <a:noFill/>
         </p:spPr>
       </p:pic>
-    </p:spTree>
-  </p:cSld>
-  <p:clrMapOvr>
-    <a:masterClrMapping/>
-  </p:clrMapOvr>
-  <mc:AlternateContent xmlns:mc="http://schemas.openxmlformats.org/markup-compatibility/2006">
-    <mc:Choice xmlns:p14="http://schemas.microsoft.com/office/powerpoint/2010/main" Requires="p14">
-      <p:transition spd="slow" p14:dur="2000"/>
-    </mc:Choice>
-    <mc:Fallback>
-      <p:transition spd="slow"/>
-    </mc:Fallback>
-  </mc:AlternateContent>
-</p:sld>
-</file>
-
-<file path=ppt/slides/slide5.xml><?xml version="1.0" encoding="utf-8"?>
-<p:sld xmlns:a="http://schemas.openxmlformats.org/drawingml/2006/main" xmlns:r="http://schemas.openxmlformats.org/officeDocument/2006/relationships" xmlns:p="http://schemas.openxmlformats.org/presentationml/2006/main">
-  <p:cSld>
-    <p:spTree>
-      <p:nvGrpSpPr>
-        <p:cNvPr id="1" name=""/>
-        <p:cNvGrpSpPr/>
-        <p:nvPr/>
-      </p:nvGrpSpPr>
-      <p:grpSpPr>
-        <a:xfrm>
-          <a:off x="0" y="0"/>
-          <a:ext cx="0" cy="0"/>
-          <a:chOff x="0" y="0"/>
-          <a:chExt cx="0" cy="0"/>
-        </a:xfrm>
-      </p:grpSpPr>
-      <p:sp>
-        <p:nvSpPr>
-          <p:cNvPr id="2" name="Title 1"/>
-          <p:cNvSpPr txBox="1">
-            <a:spLocks/>
-          </p:cNvSpPr>
-          <p:nvPr>
-            <p:ph type="title"/>
-          </p:nvPr>
-        </p:nvSpPr>
-        <p:spPr>
-          <a:xfrm rot="0">
-            <a:off x="838200" y="365125"/>
-            <a:ext cx="10516235" cy="574675"/>
-          </a:xfrm>
-          <a:prstGeom prst="rect"/>
-        </p:spPr>
-        <p:txBody>
-          <a:bodyPr wrap="square" lIns="91440" tIns="45720" rIns="91440" bIns="45720" numCol="1" vert="horz" anchor="ctr">
-            <a:normAutofit fontScale="90000" lnSpcReduction="0"/>
-          </a:bodyPr>
-          <a:lstStyle/>
-          <a:p>
-            <a:pPr marL="0" indent="0" latinLnBrk="0">
-              <a:buFontTx/>
-              <a:buNone/>
-            </a:pPr>
-            <a:r>
-              <a:rPr lang="en-US"/>
-              <a:t>Flow Chart</a:t>
-            </a:r>
-            <a:endParaRPr lang="ko-KR" altLang="en-US"/>
-          </a:p>
-        </p:txBody>
-      </p:sp>
-      <p:sp>
-        <p:nvSpPr>
-          <p:cNvPr id="3" name="Content Placeholder 2"/>
-          <p:cNvSpPr txBox="1">
-            <a:spLocks/>
-          </p:cNvSpPr>
-          <p:nvPr>
-            <p:ph type="obj" idx="1"/>
-          </p:nvPr>
-        </p:nvSpPr>
-        <p:spPr>
-          <a:xfrm rot="0">
-            <a:off x="579120" y="1015365"/>
-            <a:ext cx="10775315" cy="5162550"/>
-          </a:xfrm>
-          <a:prstGeom prst="rect"/>
-        </p:spPr>
-        <p:txBody>
-          <a:bodyPr wrap="square" lIns="91440" tIns="45720" rIns="91440" bIns="45720" numCol="1" vert="horz" anchor="t">
-            <a:normAutofit fontScale="100000" lnSpcReduction="0"/>
-          </a:bodyPr>
-          <a:lstStyle/>
-          <a:p>
-            <a:pPr marL="228600" indent="-228600" latinLnBrk="0">
-              <a:buFont typeface="Arial"/>
-              <a:buChar char="•"/>
-            </a:pPr>
-            <a:endParaRPr lang="ko-KR" altLang="en-US"/>
-          </a:p>
-        </p:txBody>
-      </p:sp>
     </p:spTree>
   </p:cSld>
   <p:clrMapOvr>
